--- a/performance-test/lballard_final_presentation.pptx
+++ b/performance-test/lballard_final_presentation.pptx
@@ -29,6 +29,7 @@
     <p:sldId id="268" r:id="rId23"/>
     <p:sldId id="272" r:id="rId24"/>
     <p:sldId id="273" r:id="rId25"/>
+    <p:sldId id="281" r:id="rId26"/>
   </p:sldIdLst>
   <p:sldSz cx="12192000" cy="6858000"/>
   <p:notesSz cx="6858000" cy="9144000"/>
@@ -156,6 +157,7 @@
             <p14:sldId id="268"/>
             <p14:sldId id="272"/>
             <p14:sldId id="273"/>
+            <p14:sldId id="281"/>
           </p14:sldIdLst>
         </p14:section>
       </p14:sectionLst>
@@ -15783,6 +15785,158 @@
 </p:sld>
 </file>
 
+<file path=ppt/slides/slide25.xml><?xml version="1.0" encoding="utf-8"?>
+<p:sld xmlns:a="http://schemas.openxmlformats.org/drawingml/2006/main" xmlns:r="http://schemas.openxmlformats.org/officeDocument/2006/relationships" xmlns:p="http://schemas.openxmlformats.org/presentationml/2006/main">
+  <p:cSld>
+    <p:spTree>
+      <p:nvGrpSpPr>
+        <p:cNvPr id="1" name=""/>
+        <p:cNvGrpSpPr/>
+        <p:nvPr/>
+      </p:nvGrpSpPr>
+      <p:grpSpPr>
+        <a:xfrm>
+          <a:off x="0" y="0"/>
+          <a:ext cx="0" cy="0"/>
+          <a:chOff x="0" y="0"/>
+          <a:chExt cx="0" cy="0"/>
+        </a:xfrm>
+      </p:grpSpPr>
+      <p:sp>
+        <p:nvSpPr>
+          <p:cNvPr id="2" name="Title 1">
+            <a:extLst>
+              <a:ext uri="{FF2B5EF4-FFF2-40B4-BE49-F238E27FC236}">
+                <a16:creationId xmlns:a16="http://schemas.microsoft.com/office/drawing/2014/main" id="{3C11DCEB-D64D-40BD-869C-56A9E09F2CB0}"/>
+              </a:ext>
+            </a:extLst>
+          </p:cNvPr>
+          <p:cNvSpPr>
+            <a:spLocks noGrp="1"/>
+          </p:cNvSpPr>
+          <p:nvPr>
+            <p:ph type="title"/>
+          </p:nvPr>
+        </p:nvSpPr>
+        <p:spPr/>
+        <p:txBody>
+          <a:bodyPr/>
+          <a:lstStyle/>
+          <a:p>
+            <a:r>
+              <a:rPr lang="en-US" dirty="0"/>
+              <a:t>Lessons learned</a:t>
+            </a:r>
+          </a:p>
+        </p:txBody>
+      </p:sp>
+      <p:sp>
+        <p:nvSpPr>
+          <p:cNvPr id="3" name="Content Placeholder 2">
+            <a:extLst>
+              <a:ext uri="{FF2B5EF4-FFF2-40B4-BE49-F238E27FC236}">
+                <a16:creationId xmlns:a16="http://schemas.microsoft.com/office/drawing/2014/main" id="{62582839-DB4F-471B-AC83-B24FC40B61BF}"/>
+              </a:ext>
+            </a:extLst>
+          </p:cNvPr>
+          <p:cNvSpPr>
+            <a:spLocks noGrp="1"/>
+          </p:cNvSpPr>
+          <p:nvPr>
+            <p:ph idx="1"/>
+          </p:nvPr>
+        </p:nvSpPr>
+        <p:spPr/>
+        <p:txBody>
+          <a:bodyPr>
+            <a:normAutofit lnSpcReduction="10000"/>
+          </a:bodyPr>
+          <a:lstStyle/>
+          <a:p>
+            <a:r>
+              <a:rPr lang="en-US" dirty="0"/>
+              <a:t>When adjusting </a:t>
+            </a:r>
+            <a:r>
+              <a:rPr lang="en-US" dirty="0" err="1"/>
+              <a:t>postgres</a:t>
+            </a:r>
+            <a:r>
+              <a:rPr lang="en-US" dirty="0"/>
+              <a:t> parameters, use ALTER SYSTEM command, not ALTER DATABASE (this won’t work).  Some parameters require ‘select </a:t>
+            </a:r>
+            <a:r>
+              <a:rPr lang="en-US" dirty="0" err="1"/>
+              <a:t>pg_reload_conf</a:t>
+            </a:r>
+            <a:r>
+              <a:rPr lang="en-US" dirty="0"/>
+              <a:t>();’ </a:t>
+            </a:r>
+          </a:p>
+          <a:p>
+            <a:r>
+              <a:rPr lang="en-US" dirty="0"/>
+              <a:t>When testing: make sure to isolate </a:t>
+            </a:r>
+            <a:r>
+              <a:rPr lang="en-US" dirty="0" err="1"/>
+              <a:t>postgres</a:t>
+            </a:r>
+            <a:r>
+              <a:rPr lang="en-US" dirty="0"/>
+              <a:t> from other running processes</a:t>
+            </a:r>
+          </a:p>
+          <a:p>
+            <a:pPr lvl="1"/>
+            <a:r>
+              <a:rPr lang="en-US" dirty="0"/>
+              <a:t>Other performance-intensive processes will affect results</a:t>
+            </a:r>
+          </a:p>
+          <a:p>
+            <a:r>
+              <a:rPr lang="en-US" dirty="0"/>
+              <a:t>Use more complicated queries rather than simpler ones to accurately measure performance</a:t>
+            </a:r>
+          </a:p>
+          <a:p>
+            <a:r>
+              <a:rPr lang="en-US" dirty="0"/>
+              <a:t>Use scripts rather than manual testing for repeated tests that only vary slightly</a:t>
+            </a:r>
+          </a:p>
+          <a:p>
+            <a:r>
+              <a:rPr lang="en-US"/>
+              <a:t>“100 </a:t>
+            </a:r>
+            <a:r>
+              <a:rPr lang="en-US" dirty="0"/>
+              <a:t>hours of work can save 2 hours </a:t>
+            </a:r>
+            <a:r>
+              <a:rPr lang="en-US"/>
+              <a:t>of planning”</a:t>
+            </a:r>
+            <a:endParaRPr lang="en-US" dirty="0"/>
+          </a:p>
+        </p:txBody>
+      </p:sp>
+    </p:spTree>
+    <p:extLst>
+      <p:ext uri="{BB962C8B-B14F-4D97-AF65-F5344CB8AC3E}">
+        <p14:creationId xmlns:p14="http://schemas.microsoft.com/office/powerpoint/2010/main" val="1634239280"/>
+      </p:ext>
+    </p:extLst>
+  </p:cSld>
+  <p:clrMapOvr>
+    <a:masterClrMapping/>
+  </p:clrMapOvr>
+</p:sld>
+</file>
+
 <file path=ppt/slides/slide3.xml><?xml version="1.0" encoding="utf-8"?>
 <p:sld xmlns:a="http://schemas.openxmlformats.org/drawingml/2006/main" xmlns:r="http://schemas.openxmlformats.org/officeDocument/2006/relationships" xmlns:p="http://schemas.openxmlformats.org/presentationml/2006/main">
   <p:cSld>
